--- a/aaon_the_way/a-mydoc/my model.pptx
+++ b/aaon_the_way/a-mydoc/my model.pptx
@@ -5,7 +5,7 @@
     <p:sldMasterId id="2147483714" r:id="rId1"/>
   </p:sldMasterIdLst>
   <p:notesMasterIdLst>
-    <p:notesMasterId r:id="rId31"/>
+    <p:notesMasterId r:id="rId33"/>
   </p:notesMasterIdLst>
   <p:sldIdLst>
     <p:sldId id="256" r:id="rId2"/>
@@ -37,6 +37,8 @@
     <p:sldId id="282" r:id="rId28"/>
     <p:sldId id="283" r:id="rId29"/>
     <p:sldId id="285" r:id="rId30"/>
+    <p:sldId id="286" r:id="rId31"/>
+    <p:sldId id="287" r:id="rId32"/>
   </p:sldIdLst>
   <p:sldSz cx="12192000" cy="6858000"/>
   <p:notesSz cx="6858000" cy="9144000"/>
@@ -3579,7 +3581,7 @@
           <a:p>
             <a:fld id="{367B576C-E77F-42D9-B67D-BEBD6587B92B}" type="datetimeFigureOut">
               <a:rPr lang="zh-CN" altLang="en-US" smtClean="0"/>
-              <a:t>2017/7/30</a:t>
+              <a:t>2017/11/30</a:t>
             </a:fld>
             <a:endParaRPr lang="zh-CN" altLang="en-US"/>
           </a:p>
@@ -4109,7 +4111,7 @@
           <a:noFill/>
           <a:extLst>
             <a:ext uri="{909E8E84-426E-40dd-AFC4-6F175D3DCCD1}">
-              <a14:hiddenFill xmlns:a14="http://schemas.microsoft.com/office/drawing/2010/main" xmlns="">
+              <a14:hiddenFill xmlns="" xmlns:a14="http://schemas.microsoft.com/office/drawing/2010/main">
                 <a:solidFill>
                   <a:srgbClr val="FFFFFF"/>
                 </a:solidFill>
@@ -4169,7 +4171,7 @@
             </a:ln>
             <a:extLst>
               <a:ext uri="{91240B29-F687-4f45-9708-019B960494DF}">
-                <a14:hiddenLine xmlns:a14="http://schemas.microsoft.com/office/drawing/2010/main" xmlns="" w="9525">
+                <a14:hiddenLine xmlns="" xmlns:a14="http://schemas.microsoft.com/office/drawing/2010/main" w="9525">
                   <a:solidFill>
                     <a:srgbClr val="000000"/>
                   </a:solidFill>
@@ -4259,7 +4261,7 @@
             </a:ln>
             <a:extLst>
               <a:ext uri="{91240B29-F687-4f45-9708-019B960494DF}">
-                <a14:hiddenLine xmlns:a14="http://schemas.microsoft.com/office/drawing/2010/main" xmlns="" w="9525">
+                <a14:hiddenLine xmlns="" xmlns:a14="http://schemas.microsoft.com/office/drawing/2010/main" w="9525">
                   <a:solidFill>
                     <a:srgbClr val="000000"/>
                   </a:solidFill>
@@ -4349,7 +4351,7 @@
             </a:ln>
             <a:extLst>
               <a:ext uri="{91240B29-F687-4f45-9708-019B960494DF}">
-                <a14:hiddenLine xmlns:a14="http://schemas.microsoft.com/office/drawing/2010/main" xmlns="" w="9525">
+                <a14:hiddenLine xmlns="" xmlns:a14="http://schemas.microsoft.com/office/drawing/2010/main" w="9525">
                   <a:solidFill>
                     <a:srgbClr val="000000"/>
                   </a:solidFill>
@@ -4383,7 +4385,7 @@
             </a:ln>
             <a:extLst>
               <a:ext uri="{91240B29-F687-4f45-9708-019B960494DF}">
-                <a14:hiddenLine xmlns:a14="http://schemas.microsoft.com/office/drawing/2010/main" xmlns="" w="9525">
+                <a14:hiddenLine xmlns="" xmlns:a14="http://schemas.microsoft.com/office/drawing/2010/main" w="9525">
                   <a:solidFill>
                     <a:srgbClr val="000000"/>
                   </a:solidFill>
@@ -4473,7 +4475,7 @@
             </a:ln>
             <a:extLst>
               <a:ext uri="{91240B29-F687-4f45-9708-019B960494DF}">
-                <a14:hiddenLine xmlns:a14="http://schemas.microsoft.com/office/drawing/2010/main" xmlns="" w="9525">
+                <a14:hiddenLine xmlns="" xmlns:a14="http://schemas.microsoft.com/office/drawing/2010/main" w="9525">
                   <a:solidFill>
                     <a:srgbClr val="000000"/>
                   </a:solidFill>
@@ -4535,7 +4537,7 @@
             </a:ln>
             <a:extLst>
               <a:ext uri="{91240B29-F687-4f45-9708-019B960494DF}">
-                <a14:hiddenLine xmlns:a14="http://schemas.microsoft.com/office/drawing/2010/main" xmlns="" w="9525">
+                <a14:hiddenLine xmlns="" xmlns:a14="http://schemas.microsoft.com/office/drawing/2010/main" w="9525">
                   <a:solidFill>
                     <a:srgbClr val="000000"/>
                   </a:solidFill>
@@ -4597,7 +4599,7 @@
             </a:ln>
             <a:extLst>
               <a:ext uri="{91240B29-F687-4f45-9708-019B960494DF}">
-                <a14:hiddenLine xmlns:a14="http://schemas.microsoft.com/office/drawing/2010/main" xmlns="" w="9525">
+                <a14:hiddenLine xmlns="" xmlns:a14="http://schemas.microsoft.com/office/drawing/2010/main" w="9525">
                   <a:solidFill>
                     <a:srgbClr val="000000"/>
                   </a:solidFill>
@@ -4687,7 +4689,7 @@
             </a:ln>
             <a:extLst>
               <a:ext uri="{91240B29-F687-4f45-9708-019B960494DF}">
-                <a14:hiddenLine xmlns:a14="http://schemas.microsoft.com/office/drawing/2010/main" xmlns="" w="9525">
+                <a14:hiddenLine xmlns="" xmlns:a14="http://schemas.microsoft.com/office/drawing/2010/main" w="9525">
                   <a:solidFill>
                     <a:srgbClr val="000000"/>
                   </a:solidFill>
@@ -4749,7 +4751,7 @@
             </a:ln>
             <a:extLst>
               <a:ext uri="{91240B29-F687-4f45-9708-019B960494DF}">
-                <a14:hiddenLine xmlns:a14="http://schemas.microsoft.com/office/drawing/2010/main" xmlns="" w="9525">
+                <a14:hiddenLine xmlns="" xmlns:a14="http://schemas.microsoft.com/office/drawing/2010/main" w="9525">
                   <a:solidFill>
                     <a:srgbClr val="000000"/>
                   </a:solidFill>
@@ -4811,7 +4813,7 @@
             </a:ln>
             <a:extLst>
               <a:ext uri="{91240B29-F687-4f45-9708-019B960494DF}">
-                <a14:hiddenLine xmlns:a14="http://schemas.microsoft.com/office/drawing/2010/main" xmlns="" w="9525">
+                <a14:hiddenLine xmlns="" xmlns:a14="http://schemas.microsoft.com/office/drawing/2010/main" w="9525">
                   <a:solidFill>
                     <a:srgbClr val="000000"/>
                   </a:solidFill>
@@ -4901,7 +4903,7 @@
             </a:ln>
             <a:extLst>
               <a:ext uri="{91240B29-F687-4f45-9708-019B960494DF}">
-                <a14:hiddenLine xmlns:a14="http://schemas.microsoft.com/office/drawing/2010/main" xmlns="" w="9525">
+                <a14:hiddenLine xmlns="" xmlns:a14="http://schemas.microsoft.com/office/drawing/2010/main" w="9525">
                   <a:solidFill>
                     <a:srgbClr val="000000"/>
                   </a:solidFill>
@@ -4991,7 +4993,7 @@
             </a:ln>
             <a:extLst>
               <a:ext uri="{91240B29-F687-4f45-9708-019B960494DF}">
-                <a14:hiddenLine xmlns:a14="http://schemas.microsoft.com/office/drawing/2010/main" xmlns="" w="9525">
+                <a14:hiddenLine xmlns="" xmlns:a14="http://schemas.microsoft.com/office/drawing/2010/main" w="9525">
                   <a:solidFill>
                     <a:srgbClr val="000000"/>
                   </a:solidFill>
@@ -5053,7 +5055,7 @@
             </a:ln>
             <a:extLst>
               <a:ext uri="{91240B29-F687-4f45-9708-019B960494DF}">
-                <a14:hiddenLine xmlns:a14="http://schemas.microsoft.com/office/drawing/2010/main" xmlns="" w="9525">
+                <a14:hiddenLine xmlns="" xmlns:a14="http://schemas.microsoft.com/office/drawing/2010/main" w="9525">
                   <a:solidFill>
                     <a:srgbClr val="000000"/>
                   </a:solidFill>
@@ -5163,7 +5165,7 @@
             </a:ln>
             <a:extLst>
               <a:ext uri="{91240B29-F687-4f45-9708-019B960494DF}">
-                <a14:hiddenLine xmlns:a14="http://schemas.microsoft.com/office/drawing/2010/main" xmlns="" w="9525">
+                <a14:hiddenLine xmlns="" xmlns:a14="http://schemas.microsoft.com/office/drawing/2010/main" w="9525">
                   <a:solidFill>
                     <a:srgbClr val="000000"/>
                   </a:solidFill>
@@ -5225,7 +5227,7 @@
             </a:ln>
             <a:extLst>
               <a:ext uri="{91240B29-F687-4f45-9708-019B960494DF}">
-                <a14:hiddenLine xmlns:a14="http://schemas.microsoft.com/office/drawing/2010/main" xmlns="" w="9525">
+                <a14:hiddenLine xmlns="" xmlns:a14="http://schemas.microsoft.com/office/drawing/2010/main" w="9525">
                   <a:solidFill>
                     <a:srgbClr val="000000"/>
                   </a:solidFill>
@@ -5315,7 +5317,7 @@
             </a:ln>
             <a:extLst>
               <a:ext uri="{91240B29-F687-4f45-9708-019B960494DF}">
-                <a14:hiddenLine xmlns:a14="http://schemas.microsoft.com/office/drawing/2010/main" xmlns="" w="9525">
+                <a14:hiddenLine xmlns="" xmlns:a14="http://schemas.microsoft.com/office/drawing/2010/main" w="9525">
                   <a:solidFill>
                     <a:srgbClr val="000000"/>
                   </a:solidFill>
@@ -5405,7 +5407,7 @@
             </a:ln>
             <a:extLst>
               <a:ext uri="{91240B29-F687-4f45-9708-019B960494DF}">
-                <a14:hiddenLine xmlns:a14="http://schemas.microsoft.com/office/drawing/2010/main" xmlns="" w="9525">
+                <a14:hiddenLine xmlns="" xmlns:a14="http://schemas.microsoft.com/office/drawing/2010/main" w="9525">
                   <a:solidFill>
                     <a:srgbClr val="000000"/>
                   </a:solidFill>
@@ -5467,7 +5469,7 @@
             </a:ln>
             <a:extLst>
               <a:ext uri="{91240B29-F687-4f45-9708-019B960494DF}">
-                <a14:hiddenLine xmlns:a14="http://schemas.microsoft.com/office/drawing/2010/main" xmlns="" w="9525">
+                <a14:hiddenLine xmlns="" xmlns:a14="http://schemas.microsoft.com/office/drawing/2010/main" w="9525">
                   <a:solidFill>
                     <a:srgbClr val="000000"/>
                   </a:solidFill>
@@ -5557,7 +5559,7 @@
             </a:ln>
             <a:extLst>
               <a:ext uri="{91240B29-F687-4f45-9708-019B960494DF}">
-                <a14:hiddenLine xmlns:a14="http://schemas.microsoft.com/office/drawing/2010/main" xmlns="" w="9525">
+                <a14:hiddenLine xmlns="" xmlns:a14="http://schemas.microsoft.com/office/drawing/2010/main" w="9525">
                   <a:solidFill>
                     <a:srgbClr val="000000"/>
                   </a:solidFill>
@@ -5647,7 +5649,7 @@
             </a:ln>
             <a:extLst>
               <a:ext uri="{91240B29-F687-4f45-9708-019B960494DF}">
-                <a14:hiddenLine xmlns:a14="http://schemas.microsoft.com/office/drawing/2010/main" xmlns="" w="9525">
+                <a14:hiddenLine xmlns="" xmlns:a14="http://schemas.microsoft.com/office/drawing/2010/main" w="9525">
                   <a:solidFill>
                     <a:srgbClr val="000000"/>
                   </a:solidFill>
@@ -5703,7 +5705,7 @@
             </a:ln>
             <a:extLst>
               <a:ext uri="{91240B29-F687-4f45-9708-019B960494DF}">
-                <a14:hiddenLine xmlns:a14="http://schemas.microsoft.com/office/drawing/2010/main" xmlns="" w="9525">
+                <a14:hiddenLine xmlns="" xmlns:a14="http://schemas.microsoft.com/office/drawing/2010/main" w="9525">
                   <a:solidFill>
                     <a:srgbClr val="000000"/>
                   </a:solidFill>
@@ -5793,7 +5795,7 @@
             </a:ln>
             <a:extLst>
               <a:ext uri="{91240B29-F687-4f45-9708-019B960494DF}">
-                <a14:hiddenLine xmlns:a14="http://schemas.microsoft.com/office/drawing/2010/main" xmlns="" w="9525">
+                <a14:hiddenLine xmlns="" xmlns:a14="http://schemas.microsoft.com/office/drawing/2010/main" w="9525">
                   <a:solidFill>
                     <a:srgbClr val="000000"/>
                   </a:solidFill>
@@ -5849,7 +5851,7 @@
             </a:ln>
             <a:extLst>
               <a:ext uri="{91240B29-F687-4f45-9708-019B960494DF}">
-                <a14:hiddenLine xmlns:a14="http://schemas.microsoft.com/office/drawing/2010/main" xmlns="" w="9525">
+                <a14:hiddenLine xmlns="" xmlns:a14="http://schemas.microsoft.com/office/drawing/2010/main" w="9525">
                   <a:solidFill>
                     <a:srgbClr val="000000"/>
                   </a:solidFill>
@@ -5939,7 +5941,7 @@
             </a:ln>
             <a:extLst>
               <a:ext uri="{91240B29-F687-4f45-9708-019B960494DF}">
-                <a14:hiddenLine xmlns:a14="http://schemas.microsoft.com/office/drawing/2010/main" xmlns="" w="9525">
+                <a14:hiddenLine xmlns="" xmlns:a14="http://schemas.microsoft.com/office/drawing/2010/main" w="9525">
                   <a:solidFill>
                     <a:srgbClr val="000000"/>
                   </a:solidFill>
@@ -6007,7 +6009,7 @@
             </a:ln>
             <a:extLst>
               <a:ext uri="{91240B29-F687-4f45-9708-019B960494DF}">
-                <a14:hiddenLine xmlns:a14="http://schemas.microsoft.com/office/drawing/2010/main" xmlns="" w="9525">
+                <a14:hiddenLine xmlns="" xmlns:a14="http://schemas.microsoft.com/office/drawing/2010/main" w="9525">
                   <a:solidFill>
                     <a:srgbClr val="000000"/>
                   </a:solidFill>
@@ -6097,7 +6099,7 @@
             </a:ln>
             <a:extLst>
               <a:ext uri="{91240B29-F687-4f45-9708-019B960494DF}">
-                <a14:hiddenLine xmlns:a14="http://schemas.microsoft.com/office/drawing/2010/main" xmlns="" w="9525">
+                <a14:hiddenLine xmlns="" xmlns:a14="http://schemas.microsoft.com/office/drawing/2010/main" w="9525">
                   <a:solidFill>
                     <a:srgbClr val="000000"/>
                   </a:solidFill>
@@ -6165,7 +6167,7 @@
             </a:ln>
             <a:extLst>
               <a:ext uri="{91240B29-F687-4f45-9708-019B960494DF}">
-                <a14:hiddenLine xmlns:a14="http://schemas.microsoft.com/office/drawing/2010/main" xmlns="" w="9525">
+                <a14:hiddenLine xmlns="" xmlns:a14="http://schemas.microsoft.com/office/drawing/2010/main" w="9525">
                   <a:solidFill>
                     <a:srgbClr val="000000"/>
                   </a:solidFill>
@@ -6255,7 +6257,7 @@
             </a:ln>
             <a:extLst>
               <a:ext uri="{91240B29-F687-4f45-9708-019B960494DF}">
-                <a14:hiddenLine xmlns:a14="http://schemas.microsoft.com/office/drawing/2010/main" xmlns="" w="9525">
+                <a14:hiddenLine xmlns="" xmlns:a14="http://schemas.microsoft.com/office/drawing/2010/main" w="9525">
                   <a:solidFill>
                     <a:srgbClr val="000000"/>
                   </a:solidFill>
@@ -6289,7 +6291,7 @@
             </a:ln>
             <a:extLst>
               <a:ext uri="{91240B29-F687-4f45-9708-019B960494DF}">
-                <a14:hiddenLine xmlns:a14="http://schemas.microsoft.com/office/drawing/2010/main" xmlns="" w="9525">
+                <a14:hiddenLine xmlns="" xmlns:a14="http://schemas.microsoft.com/office/drawing/2010/main" w="9525">
                   <a:solidFill>
                     <a:srgbClr val="000000"/>
                   </a:solidFill>
@@ -6379,7 +6381,7 @@
             </a:ln>
             <a:extLst>
               <a:ext uri="{91240B29-F687-4f45-9708-019B960494DF}">
-                <a14:hiddenLine xmlns:a14="http://schemas.microsoft.com/office/drawing/2010/main" xmlns="" w="9525">
+                <a14:hiddenLine xmlns="" xmlns:a14="http://schemas.microsoft.com/office/drawing/2010/main" w="9525">
                   <a:solidFill>
                     <a:srgbClr val="000000"/>
                   </a:solidFill>
@@ -6441,7 +6443,7 @@
             </a:ln>
             <a:extLst>
               <a:ext uri="{91240B29-F687-4f45-9708-019B960494DF}">
-                <a14:hiddenLine xmlns:a14="http://schemas.microsoft.com/office/drawing/2010/main" xmlns="" w="9525">
+                <a14:hiddenLine xmlns="" xmlns:a14="http://schemas.microsoft.com/office/drawing/2010/main" w="9525">
                   <a:solidFill>
                     <a:srgbClr val="000000"/>
                   </a:solidFill>
@@ -6503,7 +6505,7 @@
             </a:ln>
             <a:extLst>
               <a:ext uri="{91240B29-F687-4f45-9708-019B960494DF}">
-                <a14:hiddenLine xmlns:a14="http://schemas.microsoft.com/office/drawing/2010/main" xmlns="" w="9525">
+                <a14:hiddenLine xmlns="" xmlns:a14="http://schemas.microsoft.com/office/drawing/2010/main" w="9525">
                   <a:solidFill>
                     <a:srgbClr val="000000"/>
                   </a:solidFill>
@@ -6593,7 +6595,7 @@
             </a:ln>
             <a:extLst>
               <a:ext uri="{91240B29-F687-4f45-9708-019B960494DF}">
-                <a14:hiddenLine xmlns:a14="http://schemas.microsoft.com/office/drawing/2010/main" xmlns="" w="9525">
+                <a14:hiddenLine xmlns="" xmlns:a14="http://schemas.microsoft.com/office/drawing/2010/main" w="9525">
                   <a:solidFill>
                     <a:srgbClr val="000000"/>
                   </a:solidFill>
@@ -6661,7 +6663,7 @@
             </a:ln>
             <a:extLst>
               <a:ext uri="{91240B29-F687-4f45-9708-019B960494DF}">
-                <a14:hiddenLine xmlns:a14="http://schemas.microsoft.com/office/drawing/2010/main" xmlns="" w="9525">
+                <a14:hiddenLine xmlns="" xmlns:a14="http://schemas.microsoft.com/office/drawing/2010/main" w="9525">
                   <a:solidFill>
                     <a:srgbClr val="000000"/>
                   </a:solidFill>
@@ -6723,7 +6725,7 @@
             </a:ln>
             <a:extLst>
               <a:ext uri="{91240B29-F687-4f45-9708-019B960494DF}">
-                <a14:hiddenLine xmlns:a14="http://schemas.microsoft.com/office/drawing/2010/main" xmlns="" w="9525">
+                <a14:hiddenLine xmlns="" xmlns:a14="http://schemas.microsoft.com/office/drawing/2010/main" w="9525">
                   <a:solidFill>
                     <a:srgbClr val="000000"/>
                   </a:solidFill>
@@ -6813,7 +6815,7 @@
             </a:ln>
             <a:extLst>
               <a:ext uri="{91240B29-F687-4f45-9708-019B960494DF}">
-                <a14:hiddenLine xmlns:a14="http://schemas.microsoft.com/office/drawing/2010/main" xmlns="" w="9525">
+                <a14:hiddenLine xmlns="" xmlns:a14="http://schemas.microsoft.com/office/drawing/2010/main" w="9525">
                   <a:solidFill>
                     <a:srgbClr val="000000"/>
                   </a:solidFill>
@@ -6875,7 +6877,7 @@
             </a:ln>
             <a:extLst>
               <a:ext uri="{91240B29-F687-4f45-9708-019B960494DF}">
-                <a14:hiddenLine xmlns:a14="http://schemas.microsoft.com/office/drawing/2010/main" xmlns="" w="9525">
+                <a14:hiddenLine xmlns="" xmlns:a14="http://schemas.microsoft.com/office/drawing/2010/main" w="9525">
                   <a:solidFill>
                     <a:srgbClr val="000000"/>
                   </a:solidFill>
@@ -6965,7 +6967,7 @@
             </a:ln>
             <a:extLst>
               <a:ext uri="{91240B29-F687-4f45-9708-019B960494DF}">
-                <a14:hiddenLine xmlns:a14="http://schemas.microsoft.com/office/drawing/2010/main" xmlns="" w="9525">
+                <a14:hiddenLine xmlns="" xmlns:a14="http://schemas.microsoft.com/office/drawing/2010/main" w="9525">
                   <a:solidFill>
                     <a:srgbClr val="000000"/>
                   </a:solidFill>
@@ -7027,7 +7029,7 @@
             </a:ln>
             <a:extLst>
               <a:ext uri="{91240B29-F687-4f45-9708-019B960494DF}">
-                <a14:hiddenLine xmlns:a14="http://schemas.microsoft.com/office/drawing/2010/main" xmlns="" w="9525">
+                <a14:hiddenLine xmlns="" xmlns:a14="http://schemas.microsoft.com/office/drawing/2010/main" w="9525">
                   <a:solidFill>
                     <a:srgbClr val="000000"/>
                   </a:solidFill>
@@ -7117,7 +7119,7 @@
             </a:ln>
             <a:extLst>
               <a:ext uri="{91240B29-F687-4f45-9708-019B960494DF}">
-                <a14:hiddenLine xmlns:a14="http://schemas.microsoft.com/office/drawing/2010/main" xmlns="" w="9525">
+                <a14:hiddenLine xmlns="" xmlns:a14="http://schemas.microsoft.com/office/drawing/2010/main" w="9525">
                   <a:solidFill>
                     <a:srgbClr val="000000"/>
                   </a:solidFill>
@@ -7151,7 +7153,7 @@
             </a:ln>
             <a:extLst>
               <a:ext uri="{91240B29-F687-4f45-9708-019B960494DF}">
-                <a14:hiddenLine xmlns:a14="http://schemas.microsoft.com/office/drawing/2010/main" xmlns="" w="9525">
+                <a14:hiddenLine xmlns="" xmlns:a14="http://schemas.microsoft.com/office/drawing/2010/main" w="9525">
                   <a:solidFill>
                     <a:srgbClr val="000000"/>
                   </a:solidFill>
@@ -7216,7 +7218,7 @@
             </a:ln>
             <a:extLst>
               <a:ext uri="{91240B29-F687-4f45-9708-019B960494DF}">
-                <a14:hiddenLine xmlns:a14="http://schemas.microsoft.com/office/drawing/2010/main" xmlns="" w="9525">
+                <a14:hiddenLine xmlns="" xmlns:a14="http://schemas.microsoft.com/office/drawing/2010/main" w="9525">
                   <a:solidFill>
                     <a:srgbClr val="000000"/>
                   </a:solidFill>
@@ -7306,7 +7308,7 @@
             </a:ln>
             <a:extLst>
               <a:ext uri="{91240B29-F687-4f45-9708-019B960494DF}">
-                <a14:hiddenLine xmlns:a14="http://schemas.microsoft.com/office/drawing/2010/main" xmlns="" w="9525">
+                <a14:hiddenLine xmlns="" xmlns:a14="http://schemas.microsoft.com/office/drawing/2010/main" w="9525">
                   <a:solidFill>
                     <a:srgbClr val="000000"/>
                   </a:solidFill>
@@ -7368,7 +7370,7 @@
             </a:ln>
             <a:extLst>
               <a:ext uri="{91240B29-F687-4f45-9708-019B960494DF}">
-                <a14:hiddenLine xmlns:a14="http://schemas.microsoft.com/office/drawing/2010/main" xmlns="" w="9525">
+                <a14:hiddenLine xmlns="" xmlns:a14="http://schemas.microsoft.com/office/drawing/2010/main" w="9525">
                   <a:solidFill>
                     <a:srgbClr val="000000"/>
                   </a:solidFill>
@@ -7458,7 +7460,7 @@
             </a:ln>
             <a:extLst>
               <a:ext uri="{91240B29-F687-4f45-9708-019B960494DF}">
-                <a14:hiddenLine xmlns:a14="http://schemas.microsoft.com/office/drawing/2010/main" xmlns="" w="9525">
+                <a14:hiddenLine xmlns="" xmlns:a14="http://schemas.microsoft.com/office/drawing/2010/main" w="9525">
                   <a:solidFill>
                     <a:srgbClr val="000000"/>
                   </a:solidFill>
@@ -7548,7 +7550,7 @@
             </a:ln>
             <a:extLst>
               <a:ext uri="{91240B29-F687-4f45-9708-019B960494DF}">
-                <a14:hiddenLine xmlns:a14="http://schemas.microsoft.com/office/drawing/2010/main" xmlns="" w="9525">
+                <a14:hiddenLine xmlns="" xmlns:a14="http://schemas.microsoft.com/office/drawing/2010/main" w="9525">
                   <a:solidFill>
                     <a:srgbClr val="000000"/>
                   </a:solidFill>
@@ -7613,7 +7615,7 @@
             </a:ln>
             <a:extLst>
               <a:ext uri="{91240B29-F687-4f45-9708-019B960494DF}">
-                <a14:hiddenLine xmlns:a14="http://schemas.microsoft.com/office/drawing/2010/main" xmlns="" w="9525">
+                <a14:hiddenLine xmlns="" xmlns:a14="http://schemas.microsoft.com/office/drawing/2010/main" w="9525">
                   <a:solidFill>
                     <a:srgbClr val="000000"/>
                   </a:solidFill>
@@ -7675,7 +7677,7 @@
             </a:ln>
             <a:extLst>
               <a:ext uri="{91240B29-F687-4f45-9708-019B960494DF}">
-                <a14:hiddenLine xmlns:a14="http://schemas.microsoft.com/office/drawing/2010/main" xmlns="" w="9525">
+                <a14:hiddenLine xmlns="" xmlns:a14="http://schemas.microsoft.com/office/drawing/2010/main" w="9525">
                   <a:solidFill>
                     <a:srgbClr val="000000"/>
                   </a:solidFill>
@@ -7765,7 +7767,7 @@
             </a:ln>
             <a:extLst>
               <a:ext uri="{91240B29-F687-4f45-9708-019B960494DF}">
-                <a14:hiddenLine xmlns:a14="http://schemas.microsoft.com/office/drawing/2010/main" xmlns="" w="9525">
+                <a14:hiddenLine xmlns="" xmlns:a14="http://schemas.microsoft.com/office/drawing/2010/main" w="9525">
                   <a:solidFill>
                     <a:srgbClr val="000000"/>
                   </a:solidFill>
@@ -7855,7 +7857,7 @@
             </a:ln>
             <a:extLst>
               <a:ext uri="{91240B29-F687-4f45-9708-019B960494DF}">
-                <a14:hiddenLine xmlns:a14="http://schemas.microsoft.com/office/drawing/2010/main" xmlns="" w="9525">
+                <a14:hiddenLine xmlns="" xmlns:a14="http://schemas.microsoft.com/office/drawing/2010/main" w="9525">
                   <a:solidFill>
                     <a:srgbClr val="000000"/>
                   </a:solidFill>
@@ -7917,7 +7919,7 @@
             </a:ln>
             <a:extLst>
               <a:ext uri="{91240B29-F687-4f45-9708-019B960494DF}">
-                <a14:hiddenLine xmlns:a14="http://schemas.microsoft.com/office/drawing/2010/main" xmlns="" w="9525">
+                <a14:hiddenLine xmlns="" xmlns:a14="http://schemas.microsoft.com/office/drawing/2010/main" w="9525">
                   <a:solidFill>
                     <a:srgbClr val="000000"/>
                   </a:solidFill>
@@ -8037,7 +8039,7 @@
             </a:ln>
             <a:extLst>
               <a:ext uri="{91240B29-F687-4f45-9708-019B960494DF}">
-                <a14:hiddenLine xmlns:a14="http://schemas.microsoft.com/office/drawing/2010/main" xmlns="" w="9525">
+                <a14:hiddenLine xmlns="" xmlns:a14="http://schemas.microsoft.com/office/drawing/2010/main" w="9525">
                   <a:solidFill>
                     <a:srgbClr val="000000"/>
                   </a:solidFill>
@@ -8105,7 +8107,7 @@
             </a:ln>
             <a:extLst>
               <a:ext uri="{91240B29-F687-4f45-9708-019B960494DF}">
-                <a14:hiddenLine xmlns:a14="http://schemas.microsoft.com/office/drawing/2010/main" xmlns="" w="9525">
+                <a14:hiddenLine xmlns="" xmlns:a14="http://schemas.microsoft.com/office/drawing/2010/main" w="9525">
                   <a:solidFill>
                     <a:srgbClr val="000000"/>
                   </a:solidFill>
@@ -8195,7 +8197,7 @@
             </a:ln>
             <a:extLst>
               <a:ext uri="{91240B29-F687-4f45-9708-019B960494DF}">
-                <a14:hiddenLine xmlns:a14="http://schemas.microsoft.com/office/drawing/2010/main" xmlns="" w="9525">
+                <a14:hiddenLine xmlns="" xmlns:a14="http://schemas.microsoft.com/office/drawing/2010/main" w="9525">
                   <a:solidFill>
                     <a:srgbClr val="000000"/>
                   </a:solidFill>
@@ -8335,7 +8337,7 @@
           <a:p>
             <a:fld id="{32F3F8BE-7953-4F68-B88F-0B1D3EC8F21D}" type="datetimeFigureOut">
               <a:rPr lang="zh-CN" altLang="en-US" smtClean="0"/>
-              <a:t>2017/7/30</a:t>
+              <a:t>2017/11/30</a:t>
             </a:fld>
             <a:endParaRPr lang="zh-CN" altLang="en-US"/>
           </a:p>
@@ -8602,7 +8604,7 @@
           <a:p>
             <a:fld id="{32F3F8BE-7953-4F68-B88F-0B1D3EC8F21D}" type="datetimeFigureOut">
               <a:rPr lang="zh-CN" altLang="en-US" smtClean="0"/>
-              <a:t>2017/7/30</a:t>
+              <a:t>2017/11/30</a:t>
             </a:fld>
             <a:endParaRPr lang="zh-CN" altLang="en-US"/>
           </a:p>
@@ -8798,7 +8800,7 @@
           <a:p>
             <a:fld id="{32F3F8BE-7953-4F68-B88F-0B1D3EC8F21D}" type="datetimeFigureOut">
               <a:rPr lang="zh-CN" altLang="en-US" smtClean="0"/>
-              <a:t>2017/7/30</a:t>
+              <a:t>2017/11/30</a:t>
             </a:fld>
             <a:endParaRPr lang="zh-CN" altLang="en-US"/>
           </a:p>
@@ -9061,7 +9063,7 @@
           <a:p>
             <a:fld id="{32F3F8BE-7953-4F68-B88F-0B1D3EC8F21D}" type="datetimeFigureOut">
               <a:rPr lang="zh-CN" altLang="en-US" smtClean="0"/>
-              <a:t>2017/7/30</a:t>
+              <a:t>2017/11/30</a:t>
             </a:fld>
             <a:endParaRPr lang="zh-CN" altLang="en-US"/>
           </a:p>
@@ -9495,7 +9497,7 @@
           <a:p>
             <a:fld id="{32F3F8BE-7953-4F68-B88F-0B1D3EC8F21D}" type="datetimeFigureOut">
               <a:rPr lang="zh-CN" altLang="en-US" smtClean="0"/>
-              <a:t>2017/7/30</a:t>
+              <a:t>2017/11/30</a:t>
             </a:fld>
             <a:endParaRPr lang="zh-CN" altLang="en-US"/>
           </a:p>
@@ -10041,7 +10043,7 @@
           <a:p>
             <a:fld id="{32F3F8BE-7953-4F68-B88F-0B1D3EC8F21D}" type="datetimeFigureOut">
               <a:rPr lang="zh-CN" altLang="en-US" smtClean="0"/>
-              <a:t>2017/7/30</a:t>
+              <a:t>2017/11/30</a:t>
             </a:fld>
             <a:endParaRPr lang="zh-CN" altLang="en-US"/>
           </a:p>
@@ -10761,7 +10763,7 @@
           <a:p>
             <a:fld id="{32F3F8BE-7953-4F68-B88F-0B1D3EC8F21D}" type="datetimeFigureOut">
               <a:rPr lang="zh-CN" altLang="en-US" smtClean="0"/>
-              <a:t>2017/7/30</a:t>
+              <a:t>2017/11/30</a:t>
             </a:fld>
             <a:endParaRPr lang="zh-CN" altLang="en-US"/>
           </a:p>
@@ -10931,7 +10933,7 @@
           <a:p>
             <a:fld id="{32F3F8BE-7953-4F68-B88F-0B1D3EC8F21D}" type="datetimeFigureOut">
               <a:rPr lang="zh-CN" altLang="en-US" smtClean="0"/>
-              <a:t>2017/7/30</a:t>
+              <a:t>2017/11/30</a:t>
             </a:fld>
             <a:endParaRPr lang="zh-CN" altLang="en-US"/>
           </a:p>
@@ -11111,7 +11113,7 @@
           <a:p>
             <a:fld id="{32F3F8BE-7953-4F68-B88F-0B1D3EC8F21D}" type="datetimeFigureOut">
               <a:rPr lang="zh-CN" altLang="en-US" smtClean="0"/>
-              <a:t>2017/7/30</a:t>
+              <a:t>2017/11/30</a:t>
             </a:fld>
             <a:endParaRPr lang="zh-CN" altLang="en-US"/>
           </a:p>
@@ -11281,7 +11283,7 @@
           <a:p>
             <a:fld id="{32F3F8BE-7953-4F68-B88F-0B1D3EC8F21D}" type="datetimeFigureOut">
               <a:rPr lang="zh-CN" altLang="en-US" smtClean="0"/>
-              <a:t>2017/7/30</a:t>
+              <a:t>2017/11/30</a:t>
             </a:fld>
             <a:endParaRPr lang="zh-CN" altLang="en-US"/>
           </a:p>
@@ -11531,7 +11533,7 @@
           <a:p>
             <a:fld id="{32F3F8BE-7953-4F68-B88F-0B1D3EC8F21D}" type="datetimeFigureOut">
               <a:rPr lang="zh-CN" altLang="en-US" smtClean="0"/>
-              <a:t>2017/7/30</a:t>
+              <a:t>2017/11/30</a:t>
             </a:fld>
             <a:endParaRPr lang="zh-CN" altLang="en-US"/>
           </a:p>
@@ -11763,7 +11765,7 @@
           <a:p>
             <a:fld id="{32F3F8BE-7953-4F68-B88F-0B1D3EC8F21D}" type="datetimeFigureOut">
               <a:rPr lang="zh-CN" altLang="en-US" smtClean="0"/>
-              <a:t>2017/7/30</a:t>
+              <a:t>2017/11/30</a:t>
             </a:fld>
             <a:endParaRPr lang="zh-CN" altLang="en-US"/>
           </a:p>
@@ -12144,7 +12146,7 @@
           <a:p>
             <a:fld id="{32F3F8BE-7953-4F68-B88F-0B1D3EC8F21D}" type="datetimeFigureOut">
               <a:rPr lang="zh-CN" altLang="en-US" smtClean="0"/>
-              <a:t>2017/7/30</a:t>
+              <a:t>2017/11/30</a:t>
             </a:fld>
             <a:endParaRPr lang="zh-CN" altLang="en-US"/>
           </a:p>
@@ -12262,7 +12264,7 @@
           <a:p>
             <a:fld id="{32F3F8BE-7953-4F68-B88F-0B1D3EC8F21D}" type="datetimeFigureOut">
               <a:rPr lang="zh-CN" altLang="en-US" smtClean="0"/>
-              <a:t>2017/7/30</a:t>
+              <a:t>2017/11/30</a:t>
             </a:fld>
             <a:endParaRPr lang="zh-CN" altLang="en-US"/>
           </a:p>
@@ -12357,7 +12359,7 @@
           <a:p>
             <a:fld id="{32F3F8BE-7953-4F68-B88F-0B1D3EC8F21D}" type="datetimeFigureOut">
               <a:rPr lang="zh-CN" altLang="en-US" smtClean="0"/>
-              <a:t>2017/7/30</a:t>
+              <a:t>2017/11/30</a:t>
             </a:fld>
             <a:endParaRPr lang="zh-CN" altLang="en-US"/>
           </a:p>
@@ -12606,7 +12608,7 @@
           <a:p>
             <a:fld id="{32F3F8BE-7953-4F68-B88F-0B1D3EC8F21D}" type="datetimeFigureOut">
               <a:rPr lang="zh-CN" altLang="en-US" smtClean="0"/>
-              <a:t>2017/7/30</a:t>
+              <a:t>2017/11/30</a:t>
             </a:fld>
             <a:endParaRPr lang="zh-CN" altLang="en-US"/>
           </a:p>
@@ -12886,7 +12888,7 @@
           <a:p>
             <a:fld id="{32F3F8BE-7953-4F68-B88F-0B1D3EC8F21D}" type="datetimeFigureOut">
               <a:rPr lang="zh-CN" altLang="en-US" smtClean="0"/>
-              <a:t>2017/7/30</a:t>
+              <a:t>2017/11/30</a:t>
             </a:fld>
             <a:endParaRPr lang="zh-CN" altLang="en-US"/>
           </a:p>
@@ -13002,7 +13004,7 @@
           <a:noFill/>
           <a:extLst>
             <a:ext uri="{909E8E84-426E-40dd-AFC4-6F175D3DCCD1}">
-              <a14:hiddenFill xmlns:a14="http://schemas.microsoft.com/office/drawing/2010/main" xmlns="">
+              <a14:hiddenFill xmlns="" xmlns:a14="http://schemas.microsoft.com/office/drawing/2010/main">
                 <a:solidFill>
                   <a:srgbClr val="FFFFFF"/>
                 </a:solidFill>
@@ -13076,7 +13078,7 @@
               </a:ln>
               <a:extLst>
                 <a:ext uri="{91240B29-F687-4f45-9708-019B960494DF}">
-                  <a14:hiddenLine xmlns:a14="http://schemas.microsoft.com/office/drawing/2010/main" xmlns="" w="9525">
+                  <a14:hiddenLine xmlns="" xmlns:a14="http://schemas.microsoft.com/office/drawing/2010/main" w="9525">
                     <a:solidFill>
                       <a:srgbClr val="000000"/>
                     </a:solidFill>
@@ -13166,7 +13168,7 @@
               </a:ln>
               <a:extLst>
                 <a:ext uri="{91240B29-F687-4f45-9708-019B960494DF}">
-                  <a14:hiddenLine xmlns:a14="http://schemas.microsoft.com/office/drawing/2010/main" xmlns="" w="9525">
+                  <a14:hiddenLine xmlns="" xmlns:a14="http://schemas.microsoft.com/office/drawing/2010/main" w="9525">
                     <a:solidFill>
                       <a:srgbClr val="000000"/>
                     </a:solidFill>
@@ -13256,7 +13258,7 @@
               </a:ln>
               <a:extLst>
                 <a:ext uri="{91240B29-F687-4f45-9708-019B960494DF}">
-                  <a14:hiddenLine xmlns:a14="http://schemas.microsoft.com/office/drawing/2010/main" xmlns="" w="9525">
+                  <a14:hiddenLine xmlns="" xmlns:a14="http://schemas.microsoft.com/office/drawing/2010/main" w="9525">
                     <a:solidFill>
                       <a:srgbClr val="000000"/>
                     </a:solidFill>
@@ -13318,7 +13320,7 @@
               </a:ln>
               <a:extLst>
                 <a:ext uri="{91240B29-F687-4f45-9708-019B960494DF}">
-                  <a14:hiddenLine xmlns:a14="http://schemas.microsoft.com/office/drawing/2010/main" xmlns="" w="9525">
+                  <a14:hiddenLine xmlns="" xmlns:a14="http://schemas.microsoft.com/office/drawing/2010/main" w="9525">
                     <a:solidFill>
                       <a:srgbClr val="000000"/>
                     </a:solidFill>
@@ -13408,7 +13410,7 @@
               </a:ln>
               <a:extLst>
                 <a:ext uri="{91240B29-F687-4f45-9708-019B960494DF}">
-                  <a14:hiddenLine xmlns:a14="http://schemas.microsoft.com/office/drawing/2010/main" xmlns="" w="9525">
+                  <a14:hiddenLine xmlns="" xmlns:a14="http://schemas.microsoft.com/office/drawing/2010/main" w="9525">
                     <a:solidFill>
                       <a:srgbClr val="000000"/>
                     </a:solidFill>
@@ -13470,7 +13472,7 @@
               </a:ln>
               <a:extLst>
                 <a:ext uri="{91240B29-F687-4f45-9708-019B960494DF}">
-                  <a14:hiddenLine xmlns:a14="http://schemas.microsoft.com/office/drawing/2010/main" xmlns="" w="9525">
+                  <a14:hiddenLine xmlns="" xmlns:a14="http://schemas.microsoft.com/office/drawing/2010/main" w="9525">
                     <a:solidFill>
                       <a:srgbClr val="000000"/>
                     </a:solidFill>
@@ -13532,7 +13534,7 @@
               </a:ln>
               <a:extLst>
                 <a:ext uri="{91240B29-F687-4f45-9708-019B960494DF}">
-                  <a14:hiddenLine xmlns:a14="http://schemas.microsoft.com/office/drawing/2010/main" xmlns="" w="9525">
+                  <a14:hiddenLine xmlns="" xmlns:a14="http://schemas.microsoft.com/office/drawing/2010/main" w="9525">
                     <a:solidFill>
                       <a:srgbClr val="000000"/>
                     </a:solidFill>
@@ -13622,7 +13624,7 @@
               </a:ln>
               <a:extLst>
                 <a:ext uri="{91240B29-F687-4f45-9708-019B960494DF}">
-                  <a14:hiddenLine xmlns:a14="http://schemas.microsoft.com/office/drawing/2010/main" xmlns="" w="9525">
+                  <a14:hiddenLine xmlns="" xmlns:a14="http://schemas.microsoft.com/office/drawing/2010/main" w="9525">
                     <a:solidFill>
                       <a:srgbClr val="000000"/>
                     </a:solidFill>
@@ -13712,7 +13714,7 @@
               </a:ln>
               <a:extLst>
                 <a:ext uri="{91240B29-F687-4f45-9708-019B960494DF}">
-                  <a14:hiddenLine xmlns:a14="http://schemas.microsoft.com/office/drawing/2010/main" xmlns="" w="9525">
+                  <a14:hiddenLine xmlns="" xmlns:a14="http://schemas.microsoft.com/office/drawing/2010/main" w="9525">
                     <a:solidFill>
                       <a:srgbClr val="000000"/>
                     </a:solidFill>
@@ -13774,7 +13776,7 @@
               </a:ln>
               <a:extLst>
                 <a:ext uri="{91240B29-F687-4f45-9708-019B960494DF}">
-                  <a14:hiddenLine xmlns:a14="http://schemas.microsoft.com/office/drawing/2010/main" xmlns="" w="9525">
+                  <a14:hiddenLine xmlns="" xmlns:a14="http://schemas.microsoft.com/office/drawing/2010/main" w="9525">
                     <a:solidFill>
                       <a:srgbClr val="000000"/>
                     </a:solidFill>
@@ -13884,7 +13886,7 @@
               </a:ln>
               <a:extLst>
                 <a:ext uri="{91240B29-F687-4f45-9708-019B960494DF}">
-                  <a14:hiddenLine xmlns:a14="http://schemas.microsoft.com/office/drawing/2010/main" xmlns="" w="9525">
+                  <a14:hiddenLine xmlns="" xmlns:a14="http://schemas.microsoft.com/office/drawing/2010/main" w="9525">
                     <a:solidFill>
                       <a:srgbClr val="000000"/>
                     </a:solidFill>
@@ -13968,7 +13970,7 @@
               </a:ln>
               <a:extLst>
                 <a:ext uri="{91240B29-F687-4f45-9708-019B960494DF}">
-                  <a14:hiddenLine xmlns:a14="http://schemas.microsoft.com/office/drawing/2010/main" xmlns="" w="9525">
+                  <a14:hiddenLine xmlns="" xmlns:a14="http://schemas.microsoft.com/office/drawing/2010/main" w="9525">
                     <a:solidFill>
                       <a:srgbClr val="000000"/>
                     </a:solidFill>
@@ -14030,7 +14032,7 @@
               </a:ln>
               <a:extLst>
                 <a:ext uri="{91240B29-F687-4f45-9708-019B960494DF}">
-                  <a14:hiddenLine xmlns:a14="http://schemas.microsoft.com/office/drawing/2010/main" xmlns="" w="9525">
+                  <a14:hiddenLine xmlns="" xmlns:a14="http://schemas.microsoft.com/office/drawing/2010/main" w="9525">
                     <a:solidFill>
                       <a:srgbClr val="000000"/>
                     </a:solidFill>
@@ -14092,7 +14094,7 @@
               </a:ln>
               <a:extLst>
                 <a:ext uri="{91240B29-F687-4f45-9708-019B960494DF}">
-                  <a14:hiddenLine xmlns:a14="http://schemas.microsoft.com/office/drawing/2010/main" xmlns="" w="9525">
+                  <a14:hiddenLine xmlns="" xmlns:a14="http://schemas.microsoft.com/office/drawing/2010/main" w="9525">
                     <a:solidFill>
                       <a:srgbClr val="000000"/>
                     </a:solidFill>
@@ -14182,7 +14184,7 @@
               </a:ln>
               <a:extLst>
                 <a:ext uri="{91240B29-F687-4f45-9708-019B960494DF}">
-                  <a14:hiddenLine xmlns:a14="http://schemas.microsoft.com/office/drawing/2010/main" xmlns="" w="9525">
+                  <a14:hiddenLine xmlns="" xmlns:a14="http://schemas.microsoft.com/office/drawing/2010/main" w="9525">
                     <a:solidFill>
                       <a:srgbClr val="000000"/>
                     </a:solidFill>
@@ -14216,7 +14218,7 @@
               </a:ln>
               <a:extLst>
                 <a:ext uri="{91240B29-F687-4f45-9708-019B960494DF}">
-                  <a14:hiddenLine xmlns:a14="http://schemas.microsoft.com/office/drawing/2010/main" xmlns="" w="9525">
+                  <a14:hiddenLine xmlns="" xmlns:a14="http://schemas.microsoft.com/office/drawing/2010/main" w="9525">
                     <a:solidFill>
                       <a:srgbClr val="000000"/>
                     </a:solidFill>
@@ -14281,7 +14283,7 @@
               </a:ln>
               <a:extLst>
                 <a:ext uri="{91240B29-F687-4f45-9708-019B960494DF}">
-                  <a14:hiddenLine xmlns:a14="http://schemas.microsoft.com/office/drawing/2010/main" xmlns="" w="9525">
+                  <a14:hiddenLine xmlns="" xmlns:a14="http://schemas.microsoft.com/office/drawing/2010/main" w="9525">
                     <a:solidFill>
                       <a:srgbClr val="000000"/>
                     </a:solidFill>
@@ -14371,7 +14373,7 @@
               </a:ln>
               <a:extLst>
                 <a:ext uri="{91240B29-F687-4f45-9708-019B960494DF}">
-                  <a14:hiddenLine xmlns:a14="http://schemas.microsoft.com/office/drawing/2010/main" xmlns="" w="9525">
+                  <a14:hiddenLine xmlns="" xmlns:a14="http://schemas.microsoft.com/office/drawing/2010/main" w="9525">
                     <a:solidFill>
                       <a:srgbClr val="000000"/>
                     </a:solidFill>
@@ -14433,7 +14435,7 @@
               </a:ln>
               <a:extLst>
                 <a:ext uri="{91240B29-F687-4f45-9708-019B960494DF}">
-                  <a14:hiddenLine xmlns:a14="http://schemas.microsoft.com/office/drawing/2010/main" xmlns="" w="9525">
+                  <a14:hiddenLine xmlns="" xmlns:a14="http://schemas.microsoft.com/office/drawing/2010/main" w="9525">
                     <a:solidFill>
                       <a:srgbClr val="000000"/>
                     </a:solidFill>
@@ -14523,7 +14525,7 @@
               </a:ln>
               <a:extLst>
                 <a:ext uri="{91240B29-F687-4f45-9708-019B960494DF}">
-                  <a14:hiddenLine xmlns:a14="http://schemas.microsoft.com/office/drawing/2010/main" xmlns="" w="9525">
+                  <a14:hiddenLine xmlns="" xmlns:a14="http://schemas.microsoft.com/office/drawing/2010/main" w="9525">
                     <a:solidFill>
                       <a:srgbClr val="000000"/>
                     </a:solidFill>
@@ -14588,7 +14590,7 @@
               </a:ln>
               <a:extLst>
                 <a:ext uri="{91240B29-F687-4f45-9708-019B960494DF}">
-                  <a14:hiddenLine xmlns:a14="http://schemas.microsoft.com/office/drawing/2010/main" xmlns="" w="9525">
+                  <a14:hiddenLine xmlns="" xmlns:a14="http://schemas.microsoft.com/office/drawing/2010/main" w="9525">
                     <a:solidFill>
                       <a:srgbClr val="000000"/>
                     </a:solidFill>
@@ -14650,7 +14652,7 @@
               </a:ln>
               <a:extLst>
                 <a:ext uri="{91240B29-F687-4f45-9708-019B960494DF}">
-                  <a14:hiddenLine xmlns:a14="http://schemas.microsoft.com/office/drawing/2010/main" xmlns="" w="9525">
+                  <a14:hiddenLine xmlns="" xmlns:a14="http://schemas.microsoft.com/office/drawing/2010/main" w="9525">
                     <a:solidFill>
                       <a:srgbClr val="000000"/>
                     </a:solidFill>
@@ -14740,7 +14742,7 @@
               </a:ln>
               <a:extLst>
                 <a:ext uri="{91240B29-F687-4f45-9708-019B960494DF}">
-                  <a14:hiddenLine xmlns:a14="http://schemas.microsoft.com/office/drawing/2010/main" xmlns="" w="9525">
+                  <a14:hiddenLine xmlns="" xmlns:a14="http://schemas.microsoft.com/office/drawing/2010/main" w="9525">
                     <a:solidFill>
                       <a:srgbClr val="000000"/>
                     </a:solidFill>
@@ -14830,7 +14832,7 @@
               </a:ln>
               <a:extLst>
                 <a:ext uri="{91240B29-F687-4f45-9708-019B960494DF}">
-                  <a14:hiddenLine xmlns:a14="http://schemas.microsoft.com/office/drawing/2010/main" xmlns="" w="9525">
+                  <a14:hiddenLine xmlns="" xmlns:a14="http://schemas.microsoft.com/office/drawing/2010/main" w="9525">
                     <a:solidFill>
                       <a:srgbClr val="000000"/>
                     </a:solidFill>
@@ -14895,7 +14897,7 @@
               </a:ln>
               <a:extLst>
                 <a:ext uri="{91240B29-F687-4f45-9708-019B960494DF}">
-                  <a14:hiddenLine xmlns:a14="http://schemas.microsoft.com/office/drawing/2010/main" xmlns="" w="9525">
+                  <a14:hiddenLine xmlns="" xmlns:a14="http://schemas.microsoft.com/office/drawing/2010/main" w="9525">
                     <a:solidFill>
                       <a:srgbClr val="000000"/>
                     </a:solidFill>
@@ -15015,7 +15017,7 @@
               </a:ln>
               <a:extLst>
                 <a:ext uri="{91240B29-F687-4f45-9708-019B960494DF}">
-                  <a14:hiddenLine xmlns:a14="http://schemas.microsoft.com/office/drawing/2010/main" xmlns="" w="9525">
+                  <a14:hiddenLine xmlns="" xmlns:a14="http://schemas.microsoft.com/office/drawing/2010/main" w="9525">
                     <a:solidFill>
                       <a:srgbClr val="000000"/>
                     </a:solidFill>
@@ -15113,7 +15115,7 @@
               </a:ln>
               <a:extLst>
                 <a:ext uri="{91240B29-F687-4f45-9708-019B960494DF}">
-                  <a14:hiddenLine xmlns:a14="http://schemas.microsoft.com/office/drawing/2010/main" xmlns="" w="9525">
+                  <a14:hiddenLine xmlns="" xmlns:a14="http://schemas.microsoft.com/office/drawing/2010/main" w="9525">
                     <a:solidFill>
                       <a:srgbClr val="000000"/>
                     </a:solidFill>
@@ -15228,7 +15230,7 @@
               </a:ln>
               <a:extLst>
                 <a:ext uri="{91240B29-F687-4f45-9708-019B960494DF}">
-                  <a14:hiddenLine xmlns:a14="http://schemas.microsoft.com/office/drawing/2010/main" xmlns="" w="9525">
+                  <a14:hiddenLine xmlns="" xmlns:a14="http://schemas.microsoft.com/office/drawing/2010/main" w="9525">
                     <a:solidFill>
                       <a:srgbClr val="000000"/>
                     </a:solidFill>
@@ -15318,7 +15320,7 @@
               </a:ln>
               <a:extLst>
                 <a:ext uri="{91240B29-F687-4f45-9708-019B960494DF}">
-                  <a14:hiddenLine xmlns:a14="http://schemas.microsoft.com/office/drawing/2010/main" xmlns="" w="9525">
+                  <a14:hiddenLine xmlns="" xmlns:a14="http://schemas.microsoft.com/office/drawing/2010/main" w="9525">
                     <a:solidFill>
                       <a:srgbClr val="000000"/>
                     </a:solidFill>
@@ -15383,7 +15385,7 @@
               </a:ln>
               <a:extLst>
                 <a:ext uri="{91240B29-F687-4f45-9708-019B960494DF}">
-                  <a14:hiddenLine xmlns:a14="http://schemas.microsoft.com/office/drawing/2010/main" xmlns="" w="9525">
+                  <a14:hiddenLine xmlns="" xmlns:a14="http://schemas.microsoft.com/office/drawing/2010/main" w="9525">
                     <a:solidFill>
                       <a:srgbClr val="000000"/>
                     </a:solidFill>
@@ -15473,7 +15475,7 @@
               </a:ln>
               <a:extLst>
                 <a:ext uri="{91240B29-F687-4f45-9708-019B960494DF}">
-                  <a14:hiddenLine xmlns:a14="http://schemas.microsoft.com/office/drawing/2010/main" xmlns="" w="9525">
+                  <a14:hiddenLine xmlns="" xmlns:a14="http://schemas.microsoft.com/office/drawing/2010/main" w="9525">
                     <a:solidFill>
                       <a:srgbClr val="000000"/>
                     </a:solidFill>
@@ -15541,7 +15543,7 @@
               </a:ln>
               <a:extLst>
                 <a:ext uri="{91240B29-F687-4f45-9708-019B960494DF}">
-                  <a14:hiddenLine xmlns:a14="http://schemas.microsoft.com/office/drawing/2010/main" xmlns="" w="9525">
+                  <a14:hiddenLine xmlns="" xmlns:a14="http://schemas.microsoft.com/office/drawing/2010/main" w="9525">
                     <a:solidFill>
                       <a:srgbClr val="000000"/>
                     </a:solidFill>
@@ -15631,7 +15633,7 @@
               </a:ln>
               <a:extLst>
                 <a:ext uri="{91240B29-F687-4f45-9708-019B960494DF}">
-                  <a14:hiddenLine xmlns:a14="http://schemas.microsoft.com/office/drawing/2010/main" xmlns="" w="9525">
+                  <a14:hiddenLine xmlns="" xmlns:a14="http://schemas.microsoft.com/office/drawing/2010/main" w="9525">
                     <a:solidFill>
                       <a:srgbClr val="000000"/>
                     </a:solidFill>
@@ -15699,7 +15701,7 @@
               </a:ln>
               <a:extLst>
                 <a:ext uri="{91240B29-F687-4f45-9708-019B960494DF}">
-                  <a14:hiddenLine xmlns:a14="http://schemas.microsoft.com/office/drawing/2010/main" xmlns="" w="9525">
+                  <a14:hiddenLine xmlns="" xmlns:a14="http://schemas.microsoft.com/office/drawing/2010/main" w="9525">
                     <a:solidFill>
                       <a:srgbClr val="000000"/>
                     </a:solidFill>
@@ -15789,7 +15791,7 @@
               </a:ln>
               <a:extLst>
                 <a:ext uri="{91240B29-F687-4f45-9708-019B960494DF}">
-                  <a14:hiddenLine xmlns:a14="http://schemas.microsoft.com/office/drawing/2010/main" xmlns="" w="9525">
+                  <a14:hiddenLine xmlns="" xmlns:a14="http://schemas.microsoft.com/office/drawing/2010/main" w="9525">
                     <a:solidFill>
                       <a:srgbClr val="000000"/>
                     </a:solidFill>
@@ -15823,7 +15825,7 @@
               </a:ln>
               <a:extLst>
                 <a:ext uri="{91240B29-F687-4f45-9708-019B960494DF}">
-                  <a14:hiddenLine xmlns:a14="http://schemas.microsoft.com/office/drawing/2010/main" xmlns="" w="9525">
+                  <a14:hiddenLine xmlns="" xmlns:a14="http://schemas.microsoft.com/office/drawing/2010/main" w="9525">
                     <a:solidFill>
                       <a:srgbClr val="000000"/>
                     </a:solidFill>
@@ -15963,7 +15965,7 @@
           <a:p>
             <a:fld id="{32F3F8BE-7953-4F68-B88F-0B1D3EC8F21D}" type="datetimeFigureOut">
               <a:rPr lang="zh-CN" altLang="en-US" smtClean="0"/>
-              <a:t>2017/7/30</a:t>
+              <a:t>2017/11/30</a:t>
             </a:fld>
             <a:endParaRPr lang="zh-CN" altLang="en-US"/>
           </a:p>
@@ -20821,15 +20823,7 @@
                   <a:prstClr val="white"/>
                 </a:solidFill>
               </a:rPr>
-              <a:t>从训练过程中可以看到，质量差的生成样本会对分类性能起反作</a:t>
-            </a:r>
-            <a:r>
-              <a:rPr lang="zh-CN" altLang="en-US" dirty="0" smtClean="0">
-                <a:solidFill>
-                  <a:prstClr val="white"/>
-                </a:solidFill>
-              </a:rPr>
-              <a:t>用</a:t>
+              <a:t>从训练过程中可以看到，质量差的生成样本会对分类性能起反作用</a:t>
             </a:r>
             <a:r>
               <a:rPr lang="en-US" altLang="zh-CN" dirty="0" smtClean="0">
@@ -20839,11 +20833,6 @@
               </a:rPr>
               <a:t>	</a:t>
             </a:r>
-            <a:endParaRPr lang="en-US" altLang="zh-CN" dirty="0" smtClean="0">
-              <a:solidFill>
-                <a:prstClr val="white"/>
-              </a:solidFill>
-            </a:endParaRPr>
           </a:p>
           <a:p>
             <a:pPr lvl="0"/>
@@ -21751,6 +21740,258 @@
 </p:sld>
 </file>
 
+<file path=ppt/slides/slide30.xml><?xml version="1.0" encoding="utf-8"?>
+<p:sld xmlns:a="http://schemas.openxmlformats.org/drawingml/2006/main" xmlns:r="http://schemas.openxmlformats.org/officeDocument/2006/relationships" xmlns:p="http://schemas.openxmlformats.org/presentationml/2006/main">
+  <p:cSld>
+    <p:spTree>
+      <p:nvGrpSpPr>
+        <p:cNvPr id="1" name=""/>
+        <p:cNvGrpSpPr/>
+        <p:nvPr/>
+      </p:nvGrpSpPr>
+      <p:grpSpPr>
+        <a:xfrm>
+          <a:off x="0" y="0"/>
+          <a:ext cx="0" cy="0"/>
+          <a:chOff x="0" y="0"/>
+          <a:chExt cx="0" cy="0"/>
+        </a:xfrm>
+      </p:grpSpPr>
+      <p:sp>
+        <p:nvSpPr>
+          <p:cNvPr id="2" name="标题 1"/>
+          <p:cNvSpPr>
+            <a:spLocks noGrp="1"/>
+          </p:cNvSpPr>
+          <p:nvPr>
+            <p:ph type="title"/>
+          </p:nvPr>
+        </p:nvSpPr>
+        <p:spPr/>
+        <p:txBody>
+          <a:bodyPr/>
+          <a:lstStyle/>
+          <a:p>
+            <a:r>
+              <a:rPr lang="zh-CN" altLang="en-US" dirty="0" smtClean="0"/>
+              <a:t>结果分析</a:t>
+            </a:r>
+            <a:endParaRPr lang="zh-CN" altLang="en-US" dirty="0"/>
+          </a:p>
+        </p:txBody>
+      </p:sp>
+      <p:sp>
+        <p:nvSpPr>
+          <p:cNvPr id="3" name="内容占位符 2"/>
+          <p:cNvSpPr>
+            <a:spLocks noGrp="1"/>
+          </p:cNvSpPr>
+          <p:nvPr>
+            <p:ph idx="1"/>
+          </p:nvPr>
+        </p:nvSpPr>
+        <p:spPr>
+          <a:xfrm>
+            <a:off x="1141412" y="1546167"/>
+            <a:ext cx="9905999" cy="4245034"/>
+          </a:xfrm>
+        </p:spPr>
+        <p:txBody>
+          <a:bodyPr/>
+          <a:lstStyle/>
+          <a:p>
+            <a:r>
+              <a:rPr lang="zh-CN" altLang="en-US" dirty="0" smtClean="0"/>
+              <a:t>利用全部数据的均值和方差，生成随机数并合成样本。右图为原始数据的极大极小值分布，从左图中可以看到，最大值通常接近</a:t>
+            </a:r>
+            <a:r>
+              <a:rPr lang="en-US" altLang="zh-CN" dirty="0" smtClean="0"/>
+              <a:t>1</a:t>
+            </a:r>
+            <a:r>
+              <a:rPr lang="zh-CN" altLang="en-US" dirty="0" smtClean="0"/>
+              <a:t>，但最小值则难以接近</a:t>
+            </a:r>
+            <a:r>
+              <a:rPr lang="en-US" altLang="zh-CN" dirty="0" smtClean="0"/>
+              <a:t>-1</a:t>
+            </a:r>
+            <a:r>
+              <a:rPr lang="zh-CN" altLang="en-US" dirty="0" smtClean="0"/>
+              <a:t>，但数据并未做过任何处理。</a:t>
+            </a:r>
+            <a:endParaRPr lang="en-US" altLang="zh-CN" dirty="0" smtClean="0"/>
+          </a:p>
+        </p:txBody>
+      </p:sp>
+      <p:pic>
+        <p:nvPicPr>
+          <p:cNvPr id="6" name="图片 5"/>
+          <p:cNvPicPr>
+            <a:picLocks noChangeAspect="1"/>
+          </p:cNvPicPr>
+          <p:nvPr/>
+        </p:nvPicPr>
+        <p:blipFill>
+          <a:blip r:embed="rId2"/>
+          <a:stretch>
+            <a:fillRect/>
+          </a:stretch>
+        </p:blipFill>
+        <p:spPr>
+          <a:xfrm>
+            <a:off x="6418559" y="3062142"/>
+            <a:ext cx="4903317" cy="3201129"/>
+          </a:xfrm>
+          <a:prstGeom prst="rect">
+            <a:avLst/>
+          </a:prstGeom>
+        </p:spPr>
+      </p:pic>
+      <p:pic>
+        <p:nvPicPr>
+          <p:cNvPr id="7" name="图片 6"/>
+          <p:cNvPicPr>
+            <a:picLocks noChangeAspect="1"/>
+          </p:cNvPicPr>
+          <p:nvPr/>
+        </p:nvPicPr>
+        <p:blipFill>
+          <a:blip r:embed="rId3"/>
+          <a:stretch>
+            <a:fillRect/>
+          </a:stretch>
+        </p:blipFill>
+        <p:spPr>
+          <a:xfrm>
+            <a:off x="1328327" y="3062142"/>
+            <a:ext cx="4903317" cy="3201129"/>
+          </a:xfrm>
+          <a:prstGeom prst="rect">
+            <a:avLst/>
+          </a:prstGeom>
+        </p:spPr>
+      </p:pic>
+    </p:spTree>
+    <p:extLst>
+      <p:ext uri="{BB962C8B-B14F-4D97-AF65-F5344CB8AC3E}">
+        <p14:creationId xmlns:p14="http://schemas.microsoft.com/office/powerpoint/2010/main" val="3152674179"/>
+      </p:ext>
+    </p:extLst>
+  </p:cSld>
+  <p:clrMapOvr>
+    <a:masterClrMapping/>
+  </p:clrMapOvr>
+</p:sld>
+</file>
+
+<file path=ppt/slides/slide31.xml><?xml version="1.0" encoding="utf-8"?>
+<p:sld xmlns:a="http://schemas.openxmlformats.org/drawingml/2006/main" xmlns:r="http://schemas.openxmlformats.org/officeDocument/2006/relationships" xmlns:p="http://schemas.openxmlformats.org/presentationml/2006/main">
+  <p:cSld>
+    <p:spTree>
+      <p:nvGrpSpPr>
+        <p:cNvPr id="1" name=""/>
+        <p:cNvGrpSpPr/>
+        <p:nvPr/>
+      </p:nvGrpSpPr>
+      <p:grpSpPr>
+        <a:xfrm>
+          <a:off x="0" y="0"/>
+          <a:ext cx="0" cy="0"/>
+          <a:chOff x="0" y="0"/>
+          <a:chExt cx="0" cy="0"/>
+        </a:xfrm>
+      </p:grpSpPr>
+      <p:sp>
+        <p:nvSpPr>
+          <p:cNvPr id="2" name="标题 1"/>
+          <p:cNvSpPr>
+            <a:spLocks noGrp="1"/>
+          </p:cNvSpPr>
+          <p:nvPr>
+            <p:ph type="title"/>
+          </p:nvPr>
+        </p:nvSpPr>
+        <p:spPr/>
+        <p:txBody>
+          <a:bodyPr/>
+          <a:lstStyle/>
+          <a:p>
+            <a:r>
+              <a:rPr lang="zh-CN" altLang="en-US" dirty="0" smtClean="0"/>
+              <a:t>结果分析</a:t>
+            </a:r>
+            <a:endParaRPr lang="zh-CN" altLang="en-US" dirty="0"/>
+          </a:p>
+        </p:txBody>
+      </p:sp>
+      <p:sp>
+        <p:nvSpPr>
+          <p:cNvPr id="3" name="内容占位符 2"/>
+          <p:cNvSpPr>
+            <a:spLocks noGrp="1"/>
+          </p:cNvSpPr>
+          <p:nvPr>
+            <p:ph idx="1"/>
+          </p:nvPr>
+        </p:nvSpPr>
+        <p:spPr/>
+        <p:txBody>
+          <a:bodyPr/>
+          <a:lstStyle/>
+          <a:p>
+            <a:r>
+              <a:rPr lang="en-US" altLang="zh-CN" dirty="0" smtClean="0"/>
+              <a:t>Z</a:t>
+            </a:r>
+            <a:r>
+              <a:rPr lang="zh-CN" altLang="en-US" dirty="0" smtClean="0"/>
+              <a:t>的分布如图</a:t>
+            </a:r>
+            <a:endParaRPr lang="en-US" altLang="zh-CN" dirty="0" smtClean="0"/>
+          </a:p>
+          <a:p>
+            <a:endParaRPr lang="zh-CN" altLang="en-US" dirty="0"/>
+          </a:p>
+        </p:txBody>
+      </p:sp>
+      <p:pic>
+        <p:nvPicPr>
+          <p:cNvPr id="4" name="图片 3"/>
+          <p:cNvPicPr>
+            <a:picLocks noChangeAspect="1"/>
+          </p:cNvPicPr>
+          <p:nvPr/>
+        </p:nvPicPr>
+        <p:blipFill>
+          <a:blip r:embed="rId2"/>
+          <a:stretch>
+            <a:fillRect/>
+          </a:stretch>
+        </p:blipFill>
+        <p:spPr>
+          <a:xfrm>
+            <a:off x="1141412" y="3524231"/>
+            <a:ext cx="4750882" cy="3201129"/>
+          </a:xfrm>
+          <a:prstGeom prst="rect">
+            <a:avLst/>
+          </a:prstGeom>
+        </p:spPr>
+      </p:pic>
+    </p:spTree>
+    <p:extLst>
+      <p:ext uri="{BB962C8B-B14F-4D97-AF65-F5344CB8AC3E}">
+        <p14:creationId xmlns:p14="http://schemas.microsoft.com/office/powerpoint/2010/main" val="2630223787"/>
+      </p:ext>
+    </p:extLst>
+  </p:cSld>
+  <p:clrMapOvr>
+    <a:masterClrMapping/>
+  </p:clrMapOvr>
+</p:sld>
+</file>
+
 <file path=ppt/slides/slide4.xml><?xml version="1.0" encoding="utf-8"?>
 <p:sld xmlns:a="http://schemas.openxmlformats.org/drawingml/2006/main" xmlns:r="http://schemas.openxmlformats.org/officeDocument/2006/relationships" xmlns:p="http://schemas.openxmlformats.org/presentationml/2006/main">
   <p:cSld>
@@ -22204,7 +22445,7 @@
           <a:graphicData uri="http://schemas.openxmlformats.org/presentationml/2006/ole">
             <mc:AlternateContent xmlns:mc="http://schemas.openxmlformats.org/markup-compatibility/2006">
               <mc:Choice xmlns:v="urn:schemas-microsoft-com:vml" Requires="v">
-                <p:oleObj spid="_x0000_s2233" name="Equation" r:id="rId4" imgW="914400" imgH="198720" progId="Equation.DSMT4">
+                <p:oleObj spid="_x0000_s2257" name="Equation" r:id="rId4" imgW="914400" imgH="198720" progId="Equation.DSMT4">
                   <p:embed/>
                 </p:oleObj>
               </mc:Choice>
@@ -22261,7 +22502,7 @@
           <a:graphicData uri="http://schemas.openxmlformats.org/presentationml/2006/ole">
             <mc:AlternateContent xmlns:mc="http://schemas.openxmlformats.org/markup-compatibility/2006">
               <mc:Choice xmlns:v="urn:schemas-microsoft-com:vml" Requires="v">
-                <p:oleObj spid="_x0000_s2234" name="Equation" r:id="rId6" imgW="914400" imgH="198720" progId="Equation.DSMT4">
+                <p:oleObj spid="_x0000_s2258" name="Equation" r:id="rId6" imgW="914400" imgH="198720" progId="Equation.DSMT4">
                   <p:embed/>
                 </p:oleObj>
               </mc:Choice>
@@ -22318,7 +22559,7 @@
           <a:graphicData uri="http://schemas.openxmlformats.org/presentationml/2006/ole">
             <mc:AlternateContent xmlns:mc="http://schemas.openxmlformats.org/markup-compatibility/2006">
               <mc:Choice xmlns:v="urn:schemas-microsoft-com:vml" Requires="v">
-                <p:oleObj spid="_x0000_s2235" name="Equation" r:id="rId7" imgW="914400" imgH="198720" progId="Equation.DSMT4">
+                <p:oleObj spid="_x0000_s2259" name="Equation" r:id="rId7" imgW="914400" imgH="198720" progId="Equation.DSMT4">
                   <p:embed/>
                 </p:oleObj>
               </mc:Choice>
